--- a/fig/model.pptx
+++ b/fig/model.pptx
@@ -7,6 +7,10 @@
   <p:sldIdLst>
     <p:sldId id="256" r:id="rId2"/>
     <p:sldId id="257" r:id="rId3"/>
+    <p:sldId id="258" r:id="rId4"/>
+    <p:sldId id="259" r:id="rId5"/>
+    <p:sldId id="260" r:id="rId6"/>
+    <p:sldId id="261" r:id="rId7"/>
   </p:sldIdLst>
   <p:sldSz cx="9144000" cy="6858000" type="screen4x3"/>
   <p:notesSz cx="6858000" cy="9144000"/>
@@ -289,7 +293,7 @@
           <a:p>
             <a:fld id="{20BC2D79-4FA5-494A-AAB3-153F840F69AB}" type="datetimeFigureOut">
               <a:rPr lang="en-US" smtClean="0"/>
-              <a:t>4/16/14</a:t>
+              <a:t>5/20/14</a:t>
             </a:fld>
             <a:endParaRPr lang="en-US"/>
           </a:p>
@@ -459,7 +463,7 @@
           <a:p>
             <a:fld id="{20BC2D79-4FA5-494A-AAB3-153F840F69AB}" type="datetimeFigureOut">
               <a:rPr lang="en-US" smtClean="0"/>
-              <a:t>4/16/14</a:t>
+              <a:t>5/20/14</a:t>
             </a:fld>
             <a:endParaRPr lang="en-US"/>
           </a:p>
@@ -639,7 +643,7 @@
           <a:p>
             <a:fld id="{20BC2D79-4FA5-494A-AAB3-153F840F69AB}" type="datetimeFigureOut">
               <a:rPr lang="en-US" smtClean="0"/>
-              <a:t>4/16/14</a:t>
+              <a:t>5/20/14</a:t>
             </a:fld>
             <a:endParaRPr lang="en-US"/>
           </a:p>
@@ -809,7 +813,7 @@
           <a:p>
             <a:fld id="{20BC2D79-4FA5-494A-AAB3-153F840F69AB}" type="datetimeFigureOut">
               <a:rPr lang="en-US" smtClean="0"/>
-              <a:t>4/16/14</a:t>
+              <a:t>5/20/14</a:t>
             </a:fld>
             <a:endParaRPr lang="en-US"/>
           </a:p>
@@ -1055,7 +1059,7 @@
           <a:p>
             <a:fld id="{20BC2D79-4FA5-494A-AAB3-153F840F69AB}" type="datetimeFigureOut">
               <a:rPr lang="en-US" smtClean="0"/>
-              <a:t>4/16/14</a:t>
+              <a:t>5/20/14</a:t>
             </a:fld>
             <a:endParaRPr lang="en-US"/>
           </a:p>
@@ -1343,7 +1347,7 @@
           <a:p>
             <a:fld id="{20BC2D79-4FA5-494A-AAB3-153F840F69AB}" type="datetimeFigureOut">
               <a:rPr lang="en-US" smtClean="0"/>
-              <a:t>4/16/14</a:t>
+              <a:t>5/20/14</a:t>
             </a:fld>
             <a:endParaRPr lang="en-US"/>
           </a:p>
@@ -1765,7 +1769,7 @@
           <a:p>
             <a:fld id="{20BC2D79-4FA5-494A-AAB3-153F840F69AB}" type="datetimeFigureOut">
               <a:rPr lang="en-US" smtClean="0"/>
-              <a:t>4/16/14</a:t>
+              <a:t>5/20/14</a:t>
             </a:fld>
             <a:endParaRPr lang="en-US"/>
           </a:p>
@@ -1883,7 +1887,7 @@
           <a:p>
             <a:fld id="{20BC2D79-4FA5-494A-AAB3-153F840F69AB}" type="datetimeFigureOut">
               <a:rPr lang="en-US" smtClean="0"/>
-              <a:t>4/16/14</a:t>
+              <a:t>5/20/14</a:t>
             </a:fld>
             <a:endParaRPr lang="en-US"/>
           </a:p>
@@ -1978,7 +1982,7 @@
           <a:p>
             <a:fld id="{20BC2D79-4FA5-494A-AAB3-153F840F69AB}" type="datetimeFigureOut">
               <a:rPr lang="en-US" smtClean="0"/>
-              <a:t>4/16/14</a:t>
+              <a:t>5/20/14</a:t>
             </a:fld>
             <a:endParaRPr lang="en-US"/>
           </a:p>
@@ -2255,7 +2259,7 @@
           <a:p>
             <a:fld id="{20BC2D79-4FA5-494A-AAB3-153F840F69AB}" type="datetimeFigureOut">
               <a:rPr lang="en-US" smtClean="0"/>
-              <a:t>4/16/14</a:t>
+              <a:t>5/20/14</a:t>
             </a:fld>
             <a:endParaRPr lang="en-US"/>
           </a:p>
@@ -2508,7 +2512,7 @@
           <a:p>
             <a:fld id="{20BC2D79-4FA5-494A-AAB3-153F840F69AB}" type="datetimeFigureOut">
               <a:rPr lang="en-US" smtClean="0"/>
-              <a:t>4/16/14</a:t>
+              <a:t>5/20/14</a:t>
             </a:fld>
             <a:endParaRPr lang="en-US"/>
           </a:p>
@@ -2721,7 +2725,7 @@
           <a:p>
             <a:fld id="{20BC2D79-4FA5-494A-AAB3-153F840F69AB}" type="datetimeFigureOut">
               <a:rPr lang="en-US" smtClean="0"/>
-              <a:t>4/16/14</a:t>
+              <a:t>5/20/14</a:t>
             </a:fld>
             <a:endParaRPr lang="en-US"/>
           </a:p>
@@ -11049,14 +11053,7 @@
                 <a:latin typeface="PT Sans"/>
                 <a:cs typeface="PT Sans"/>
               </a:rPr>
-              <a:t>Field </a:t>
-            </a:r>
-            <a:r>
-              <a:rPr lang="en-US" sz="2500" dirty="0" smtClean="0">
-                <a:latin typeface="PT Sans"/>
-                <a:cs typeface="PT Sans"/>
-              </a:rPr>
-              <a:t>points</a:t>
+              <a:t>Field points</a:t>
             </a:r>
           </a:p>
           <a:p>
@@ -11297,14 +11294,7 @@
                 <a:latin typeface="PT Sans"/>
                 <a:cs typeface="PT Sans"/>
               </a:rPr>
-              <a:t>Band </a:t>
-            </a:r>
-            <a:r>
-              <a:rPr lang="en-US" sz="2000" dirty="0" smtClean="0">
-                <a:latin typeface="PT Sans"/>
-                <a:cs typeface="PT Sans"/>
-              </a:rPr>
-              <a:t>points</a:t>
+              <a:t>Band points</a:t>
             </a:r>
             <a:endParaRPr lang="en-US" sz="2000" dirty="0">
               <a:latin typeface="PT Sans"/>
@@ -11538,6 +11528,1852 @@
     <p:extLst>
       <p:ext uri="{BB962C8B-B14F-4D97-AF65-F5344CB8AC3E}">
         <p14:creationId xmlns:p14="http://schemas.microsoft.com/office/powerpoint/2010/main" val="1785522896"/>
+      </p:ext>
+    </p:extLst>
+  </p:cSld>
+  <p:clrMapOvr>
+    <a:masterClrMapping/>
+  </p:clrMapOvr>
+</p:sld>
+</file>
+
+<file path=ppt/slides/slide3.xml><?xml version="1.0" encoding="utf-8"?>
+<p:sld xmlns:a="http://schemas.openxmlformats.org/drawingml/2006/main" xmlns:r="http://schemas.openxmlformats.org/officeDocument/2006/relationships" xmlns:p="http://schemas.openxmlformats.org/presentationml/2006/main">
+  <p:cSld>
+    <p:spTree>
+      <p:nvGrpSpPr>
+        <p:cNvPr id="1" name=""/>
+        <p:cNvGrpSpPr/>
+        <p:nvPr/>
+      </p:nvGrpSpPr>
+      <p:grpSpPr>
+        <a:xfrm>
+          <a:off x="0" y="0"/>
+          <a:ext cx="0" cy="0"/>
+          <a:chOff x="0" y="0"/>
+          <a:chExt cx="0" cy="0"/>
+        </a:xfrm>
+      </p:grpSpPr>
+      <p:sp>
+        <p:nvSpPr>
+          <p:cNvPr id="7" name="Right Triangle 6"/>
+          <p:cNvSpPr/>
+          <p:nvPr/>
+        </p:nvSpPr>
+        <p:spPr>
+          <a:xfrm flipH="1">
+            <a:off x="4172985" y="3288665"/>
+            <a:ext cx="3696721" cy="1338145"/>
+          </a:xfrm>
+          <a:prstGeom prst="rtTriangle">
+            <a:avLst/>
+          </a:prstGeom>
+          <a:pattFill prst="wdDnDiag">
+            <a:fgClr>
+              <a:schemeClr val="tx1">
+                <a:lumMod val="85000"/>
+                <a:lumOff val="15000"/>
+              </a:schemeClr>
+            </a:fgClr>
+            <a:bgClr>
+              <a:prstClr val="white"/>
+            </a:bgClr>
+          </a:pattFill>
+          <a:ln>
+            <a:noFill/>
+          </a:ln>
+        </p:spPr>
+        <p:style>
+          <a:lnRef idx="1">
+            <a:schemeClr val="accent1"/>
+          </a:lnRef>
+          <a:fillRef idx="3">
+            <a:schemeClr val="accent1"/>
+          </a:fillRef>
+          <a:effectRef idx="2">
+            <a:schemeClr val="accent1"/>
+          </a:effectRef>
+          <a:fontRef idx="minor">
+            <a:schemeClr val="lt1"/>
+          </a:fontRef>
+        </p:style>
+        <p:txBody>
+          <a:bodyPr rtlCol="0" anchor="ctr"/>
+          <a:lstStyle/>
+          <a:p>
+            <a:pPr algn="ctr"/>
+            <a:endParaRPr lang="en-US"/>
+          </a:p>
+        </p:txBody>
+      </p:sp>
+      <p:cxnSp>
+        <p:nvCxnSpPr>
+          <p:cNvPr id="6" name="Straight Connector 5"/>
+          <p:cNvCxnSpPr/>
+          <p:nvPr/>
+        </p:nvCxnSpPr>
+        <p:spPr>
+          <a:xfrm flipH="1">
+            <a:off x="4172985" y="1241753"/>
+            <a:ext cx="0" cy="3396397"/>
+          </a:xfrm>
+          <a:prstGeom prst="line">
+            <a:avLst/>
+          </a:prstGeom>
+          <a:ln>
+            <a:solidFill>
+              <a:srgbClr val="000000"/>
+            </a:solidFill>
+          </a:ln>
+        </p:spPr>
+        <p:style>
+          <a:lnRef idx="2">
+            <a:schemeClr val="accent1"/>
+          </a:lnRef>
+          <a:fillRef idx="0">
+            <a:schemeClr val="accent1"/>
+          </a:fillRef>
+          <a:effectRef idx="1">
+            <a:schemeClr val="accent1"/>
+          </a:effectRef>
+          <a:fontRef idx="minor">
+            <a:schemeClr val="tx1"/>
+          </a:fontRef>
+        </p:style>
+      </p:cxnSp>
+      <p:cxnSp>
+        <p:nvCxnSpPr>
+          <p:cNvPr id="9" name="Straight Connector 8"/>
+          <p:cNvCxnSpPr/>
+          <p:nvPr/>
+        </p:nvCxnSpPr>
+        <p:spPr>
+          <a:xfrm flipV="1">
+            <a:off x="4172985" y="1241753"/>
+            <a:ext cx="2075155" cy="3385057"/>
+          </a:xfrm>
+          <a:prstGeom prst="line">
+            <a:avLst/>
+          </a:prstGeom>
+        </p:spPr>
+        <p:style>
+          <a:lnRef idx="2">
+            <a:schemeClr val="accent1"/>
+          </a:lnRef>
+          <a:fillRef idx="0">
+            <a:schemeClr val="accent1"/>
+          </a:fillRef>
+          <a:effectRef idx="1">
+            <a:schemeClr val="accent1"/>
+          </a:effectRef>
+          <a:fontRef idx="minor">
+            <a:schemeClr val="tx1"/>
+          </a:fontRef>
+        </p:style>
+      </p:cxnSp>
+      <p:sp>
+        <p:nvSpPr>
+          <p:cNvPr id="11" name="Arc 10"/>
+          <p:cNvSpPr/>
+          <p:nvPr/>
+        </p:nvSpPr>
+        <p:spPr>
+          <a:xfrm>
+            <a:off x="6335823" y="3788511"/>
+            <a:ext cx="694752" cy="1167167"/>
+          </a:xfrm>
+          <a:prstGeom prst="arc">
+            <a:avLst>
+              <a:gd name="adj1" fmla="val 15879433"/>
+              <a:gd name="adj2" fmla="val 2362254"/>
+            </a:avLst>
+          </a:prstGeom>
+          <a:ln w="38100" cmpd="sng">
+            <a:solidFill>
+              <a:srgbClr val="FF0000"/>
+            </a:solidFill>
+            <a:headEnd type="triangle"/>
+            <a:tailEnd type="triangle"/>
+          </a:ln>
+        </p:spPr>
+        <p:style>
+          <a:lnRef idx="2">
+            <a:schemeClr val="accent1"/>
+          </a:lnRef>
+          <a:fillRef idx="0">
+            <a:schemeClr val="accent1"/>
+          </a:fillRef>
+          <a:effectRef idx="1">
+            <a:schemeClr val="accent1"/>
+          </a:effectRef>
+          <a:fontRef idx="minor">
+            <a:schemeClr val="tx1"/>
+          </a:fontRef>
+        </p:style>
+        <p:txBody>
+          <a:bodyPr rtlCol="0" anchor="ctr"/>
+          <a:lstStyle/>
+          <a:p>
+            <a:pPr algn="ctr"/>
+            <a:endParaRPr lang="en-US"/>
+          </a:p>
+        </p:txBody>
+      </p:sp>
+      <p:sp>
+        <p:nvSpPr>
+          <p:cNvPr id="12" name="Arc 11"/>
+          <p:cNvSpPr/>
+          <p:nvPr/>
+        </p:nvSpPr>
+        <p:spPr>
+          <a:xfrm>
+            <a:off x="4113735" y="3526811"/>
+            <a:ext cx="1612782" cy="1667011"/>
+          </a:xfrm>
+          <a:prstGeom prst="arc">
+            <a:avLst>
+              <a:gd name="adj1" fmla="val 15923744"/>
+              <a:gd name="adj2" fmla="val 1233386"/>
+            </a:avLst>
+          </a:prstGeom>
+          <a:ln w="38100" cmpd="sng">
+            <a:solidFill>
+              <a:srgbClr val="008000"/>
+            </a:solidFill>
+            <a:headEnd type="triangle"/>
+            <a:tailEnd type="triangle"/>
+          </a:ln>
+        </p:spPr>
+        <p:style>
+          <a:lnRef idx="2">
+            <a:schemeClr val="accent1"/>
+          </a:lnRef>
+          <a:fillRef idx="0">
+            <a:schemeClr val="accent1"/>
+          </a:fillRef>
+          <a:effectRef idx="1">
+            <a:schemeClr val="accent1"/>
+          </a:effectRef>
+          <a:fontRef idx="minor">
+            <a:schemeClr val="tx1"/>
+          </a:fontRef>
+        </p:style>
+        <p:txBody>
+          <a:bodyPr rtlCol="0" anchor="ctr"/>
+          <a:lstStyle/>
+          <a:p>
+            <a:pPr algn="ctr"/>
+            <a:endParaRPr lang="en-US"/>
+          </a:p>
+        </p:txBody>
+      </p:sp>
+      <p:sp>
+        <p:nvSpPr>
+          <p:cNvPr id="14" name="Rectangle 13"/>
+          <p:cNvSpPr/>
+          <p:nvPr/>
+        </p:nvSpPr>
+        <p:spPr>
+          <a:xfrm>
+            <a:off x="1814341" y="4626810"/>
+            <a:ext cx="6044025" cy="328868"/>
+          </a:xfrm>
+          <a:prstGeom prst="rect">
+            <a:avLst/>
+          </a:prstGeom>
+          <a:pattFill prst="wdUpDiag">
+            <a:fgClr>
+              <a:schemeClr val="tx1">
+                <a:lumMod val="85000"/>
+                <a:lumOff val="15000"/>
+              </a:schemeClr>
+            </a:fgClr>
+            <a:bgClr>
+              <a:prstClr val="white"/>
+            </a:bgClr>
+          </a:pattFill>
+          <a:ln>
+            <a:noFill/>
+          </a:ln>
+        </p:spPr>
+        <p:style>
+          <a:lnRef idx="1">
+            <a:schemeClr val="accent1"/>
+          </a:lnRef>
+          <a:fillRef idx="3">
+            <a:schemeClr val="accent1"/>
+          </a:fillRef>
+          <a:effectRef idx="2">
+            <a:schemeClr val="accent1"/>
+          </a:effectRef>
+          <a:fontRef idx="minor">
+            <a:schemeClr val="lt1"/>
+          </a:fontRef>
+        </p:style>
+        <p:txBody>
+          <a:bodyPr rtlCol="0" anchor="ctr"/>
+          <a:lstStyle/>
+          <a:p>
+            <a:pPr algn="ctr"/>
+            <a:endParaRPr lang="en-US"/>
+          </a:p>
+        </p:txBody>
+      </p:sp>
+      <p:cxnSp>
+        <p:nvCxnSpPr>
+          <p:cNvPr id="20" name="Straight Connector 19"/>
+          <p:cNvCxnSpPr/>
+          <p:nvPr/>
+        </p:nvCxnSpPr>
+        <p:spPr>
+          <a:xfrm>
+            <a:off x="1814341" y="1241753"/>
+            <a:ext cx="0" cy="3725265"/>
+          </a:xfrm>
+          <a:prstGeom prst="line">
+            <a:avLst/>
+          </a:prstGeom>
+          <a:ln w="12700" cmpd="sng">
+            <a:solidFill>
+              <a:srgbClr val="000000"/>
+            </a:solidFill>
+          </a:ln>
+        </p:spPr>
+        <p:style>
+          <a:lnRef idx="2">
+            <a:schemeClr val="accent1"/>
+          </a:lnRef>
+          <a:fillRef idx="0">
+            <a:schemeClr val="accent1"/>
+          </a:fillRef>
+          <a:effectRef idx="1">
+            <a:schemeClr val="accent1"/>
+          </a:effectRef>
+          <a:fontRef idx="minor">
+            <a:schemeClr val="tx1"/>
+          </a:fontRef>
+        </p:style>
+      </p:cxnSp>
+      <p:cxnSp>
+        <p:nvCxnSpPr>
+          <p:cNvPr id="22" name="Straight Connector 21"/>
+          <p:cNvCxnSpPr/>
+          <p:nvPr/>
+        </p:nvCxnSpPr>
+        <p:spPr>
+          <a:xfrm>
+            <a:off x="7863350" y="1241753"/>
+            <a:ext cx="0" cy="3725265"/>
+          </a:xfrm>
+          <a:prstGeom prst="line">
+            <a:avLst/>
+          </a:prstGeom>
+          <a:ln w="12700" cmpd="sng">
+            <a:solidFill>
+              <a:srgbClr val="000000"/>
+            </a:solidFill>
+          </a:ln>
+        </p:spPr>
+        <p:style>
+          <a:lnRef idx="2">
+            <a:schemeClr val="accent1"/>
+          </a:lnRef>
+          <a:fillRef idx="0">
+            <a:schemeClr val="accent1"/>
+          </a:fillRef>
+          <a:effectRef idx="1">
+            <a:schemeClr val="accent1"/>
+          </a:effectRef>
+          <a:fontRef idx="minor">
+            <a:schemeClr val="tx1"/>
+          </a:fontRef>
+        </p:style>
+      </p:cxnSp>
+      <p:cxnSp>
+        <p:nvCxnSpPr>
+          <p:cNvPr id="24" name="Straight Connector 23"/>
+          <p:cNvCxnSpPr/>
+          <p:nvPr/>
+        </p:nvCxnSpPr>
+        <p:spPr>
+          <a:xfrm>
+            <a:off x="1814341" y="4967018"/>
+            <a:ext cx="6044025" cy="0"/>
+          </a:xfrm>
+          <a:prstGeom prst="line">
+            <a:avLst/>
+          </a:prstGeom>
+          <a:ln w="12700" cmpd="sng">
+            <a:solidFill>
+              <a:schemeClr val="tx1"/>
+            </a:solidFill>
+          </a:ln>
+        </p:spPr>
+        <p:style>
+          <a:lnRef idx="2">
+            <a:schemeClr val="accent1"/>
+          </a:lnRef>
+          <a:fillRef idx="0">
+            <a:schemeClr val="accent1"/>
+          </a:fillRef>
+          <a:effectRef idx="1">
+            <a:schemeClr val="accent1"/>
+          </a:effectRef>
+          <a:fontRef idx="minor">
+            <a:schemeClr val="tx1"/>
+          </a:fontRef>
+        </p:style>
+      </p:cxnSp>
+      <p:cxnSp>
+        <p:nvCxnSpPr>
+          <p:cNvPr id="25" name="Straight Connector 24"/>
+          <p:cNvCxnSpPr/>
+          <p:nvPr/>
+        </p:nvCxnSpPr>
+        <p:spPr>
+          <a:xfrm>
+            <a:off x="1825681" y="4626810"/>
+            <a:ext cx="2347304" cy="0"/>
+          </a:xfrm>
+          <a:prstGeom prst="line">
+            <a:avLst/>
+          </a:prstGeom>
+          <a:ln w="12700" cmpd="sng">
+            <a:solidFill>
+              <a:schemeClr val="tx1"/>
+            </a:solidFill>
+          </a:ln>
+        </p:spPr>
+        <p:style>
+          <a:lnRef idx="2">
+            <a:schemeClr val="accent1"/>
+          </a:lnRef>
+          <a:fillRef idx="0">
+            <a:schemeClr val="accent1"/>
+          </a:fillRef>
+          <a:effectRef idx="1">
+            <a:schemeClr val="accent1"/>
+          </a:effectRef>
+          <a:fontRef idx="minor">
+            <a:schemeClr val="tx1"/>
+          </a:fontRef>
+        </p:style>
+      </p:cxnSp>
+      <p:cxnSp>
+        <p:nvCxnSpPr>
+          <p:cNvPr id="27" name="Straight Connector 26"/>
+          <p:cNvCxnSpPr>
+            <a:endCxn id="7" idx="0"/>
+          </p:cNvCxnSpPr>
+          <p:nvPr/>
+        </p:nvCxnSpPr>
+        <p:spPr>
+          <a:xfrm flipV="1">
+            <a:off x="4192506" y="3288665"/>
+            <a:ext cx="3677200" cy="1338145"/>
+          </a:xfrm>
+          <a:prstGeom prst="line">
+            <a:avLst/>
+          </a:prstGeom>
+          <a:ln w="12700" cmpd="sng">
+            <a:solidFill>
+              <a:schemeClr val="tx1"/>
+            </a:solidFill>
+          </a:ln>
+        </p:spPr>
+        <p:style>
+          <a:lnRef idx="2">
+            <a:schemeClr val="accent1"/>
+          </a:lnRef>
+          <a:fillRef idx="0">
+            <a:schemeClr val="accent1"/>
+          </a:fillRef>
+          <a:effectRef idx="1">
+            <a:schemeClr val="accent1"/>
+          </a:effectRef>
+          <a:fontRef idx="minor">
+            <a:schemeClr val="tx1"/>
+          </a:fontRef>
+        </p:style>
+      </p:cxnSp>
+      <p:cxnSp>
+        <p:nvCxnSpPr>
+          <p:cNvPr id="32" name="Straight Connector 31"/>
+          <p:cNvCxnSpPr/>
+          <p:nvPr/>
+        </p:nvCxnSpPr>
+        <p:spPr>
+          <a:xfrm>
+            <a:off x="4181166" y="4638150"/>
+            <a:ext cx="3677200" cy="0"/>
+          </a:xfrm>
+          <a:prstGeom prst="line">
+            <a:avLst/>
+          </a:prstGeom>
+          <a:ln w="12700" cmpd="sng">
+            <a:solidFill>
+              <a:schemeClr val="tx1"/>
+            </a:solidFill>
+          </a:ln>
+        </p:spPr>
+        <p:style>
+          <a:lnRef idx="2">
+            <a:schemeClr val="accent1"/>
+          </a:lnRef>
+          <a:fillRef idx="0">
+            <a:schemeClr val="accent1"/>
+          </a:fillRef>
+          <a:effectRef idx="1">
+            <a:schemeClr val="accent1"/>
+          </a:effectRef>
+          <a:fontRef idx="minor">
+            <a:schemeClr val="tx1"/>
+          </a:fontRef>
+        </p:style>
+      </p:cxnSp>
+      <p:cxnSp>
+        <p:nvCxnSpPr>
+          <p:cNvPr id="34" name="Straight Connector 33"/>
+          <p:cNvCxnSpPr/>
+          <p:nvPr/>
+        </p:nvCxnSpPr>
+        <p:spPr>
+          <a:xfrm>
+            <a:off x="1814341" y="1241753"/>
+            <a:ext cx="6044025" cy="0"/>
+          </a:xfrm>
+          <a:prstGeom prst="line">
+            <a:avLst/>
+          </a:prstGeom>
+          <a:ln w="12700" cmpd="sng">
+            <a:solidFill>
+              <a:schemeClr val="tx1"/>
+            </a:solidFill>
+          </a:ln>
+        </p:spPr>
+        <p:style>
+          <a:lnRef idx="2">
+            <a:schemeClr val="accent1"/>
+          </a:lnRef>
+          <a:fillRef idx="0">
+            <a:schemeClr val="accent1"/>
+          </a:fillRef>
+          <a:effectRef idx="1">
+            <a:schemeClr val="accent1"/>
+          </a:effectRef>
+          <a:fontRef idx="minor">
+            <a:schemeClr val="tx1"/>
+          </a:fontRef>
+        </p:style>
+      </p:cxnSp>
+      <p:cxnSp>
+        <p:nvCxnSpPr>
+          <p:cNvPr id="36" name="Straight Arrow Connector 35"/>
+          <p:cNvCxnSpPr/>
+          <p:nvPr/>
+        </p:nvCxnSpPr>
+        <p:spPr>
+          <a:xfrm>
+            <a:off x="4172985" y="2097941"/>
+            <a:ext cx="941191" cy="0"/>
+          </a:xfrm>
+          <a:prstGeom prst="straightConnector1">
+            <a:avLst/>
+          </a:prstGeom>
+          <a:ln w="38100" cmpd="sng">
+            <a:solidFill>
+              <a:srgbClr val="FF0000"/>
+            </a:solidFill>
+            <a:headEnd type="none"/>
+            <a:tailEnd type="triangle"/>
+          </a:ln>
+        </p:spPr>
+        <p:style>
+          <a:lnRef idx="2">
+            <a:schemeClr val="accent1"/>
+          </a:lnRef>
+          <a:fillRef idx="0">
+            <a:schemeClr val="accent1"/>
+          </a:fillRef>
+          <a:effectRef idx="1">
+            <a:schemeClr val="accent1"/>
+          </a:effectRef>
+          <a:fontRef idx="minor">
+            <a:schemeClr val="tx1"/>
+          </a:fontRef>
+        </p:style>
+      </p:cxnSp>
+      <p:pic>
+        <p:nvPicPr>
+          <p:cNvPr id="3" name="Picture 2" descr="latex-image-1.pdf"/>
+          <p:cNvPicPr>
+            <a:picLocks noChangeAspect="1"/>
+          </p:cNvPicPr>
+          <p:nvPr/>
+        </p:nvPicPr>
+        <p:blipFill>
+          <a:blip r:embed="rId2">
+            <a:extLst>
+              <a:ext uri="{28A0092B-C50C-407E-A947-70E740481C1C}">
+                <a14:useLocalDpi xmlns:a14="http://schemas.microsoft.com/office/drawing/2010/main" val="0"/>
+              </a:ext>
+            </a:extLst>
+          </a:blip>
+          <a:stretch>
+            <a:fillRect/>
+          </a:stretch>
+        </p:blipFill>
+        <p:spPr>
+          <a:xfrm>
+            <a:off x="5521113" y="2906548"/>
+            <a:ext cx="486321" cy="764219"/>
+          </a:xfrm>
+          <a:prstGeom prst="rect">
+            <a:avLst/>
+          </a:prstGeom>
+        </p:spPr>
+      </p:pic>
+      <p:pic>
+        <p:nvPicPr>
+          <p:cNvPr id="4" name="Picture 3" descr="latex-image-1.pdf"/>
+          <p:cNvPicPr>
+            <a:picLocks noChangeAspect="1"/>
+          </p:cNvPicPr>
+          <p:nvPr/>
+        </p:nvPicPr>
+        <p:blipFill>
+          <a:blip r:embed="rId3">
+            <a:extLst>
+              <a:ext uri="{28A0092B-C50C-407E-A947-70E740481C1C}">
+                <a14:useLocalDpi xmlns:a14="http://schemas.microsoft.com/office/drawing/2010/main" val="0"/>
+              </a:ext>
+            </a:extLst>
+          </a:blip>
+          <a:stretch>
+            <a:fillRect/>
+          </a:stretch>
+        </p:blipFill>
+        <p:spPr>
+          <a:xfrm>
+            <a:off x="7134691" y="3788511"/>
+            <a:ext cx="349833" cy="590343"/>
+          </a:xfrm>
+          <a:prstGeom prst="rect">
+            <a:avLst/>
+          </a:prstGeom>
+        </p:spPr>
+      </p:pic>
+      <p:pic>
+        <p:nvPicPr>
+          <p:cNvPr id="5" name="Picture 4" descr="latex-image-1.pdf"/>
+          <p:cNvPicPr>
+            <a:picLocks noChangeAspect="1"/>
+          </p:cNvPicPr>
+          <p:nvPr/>
+        </p:nvPicPr>
+        <p:blipFill>
+          <a:blip r:embed="rId4">
+            <a:extLst>
+              <a:ext uri="{28A0092B-C50C-407E-A947-70E740481C1C}">
+                <a14:useLocalDpi xmlns:a14="http://schemas.microsoft.com/office/drawing/2010/main" val="0"/>
+              </a:ext>
+            </a:extLst>
+          </a:blip>
+          <a:stretch>
+            <a:fillRect/>
+          </a:stretch>
+        </p:blipFill>
+        <p:spPr>
+          <a:xfrm>
+            <a:off x="4423824" y="1602615"/>
+            <a:ext cx="292100" cy="355600"/>
+          </a:xfrm>
+          <a:prstGeom prst="rect">
+            <a:avLst/>
+          </a:prstGeom>
+        </p:spPr>
+      </p:pic>
+    </p:spTree>
+    <p:extLst>
+      <p:ext uri="{BB962C8B-B14F-4D97-AF65-F5344CB8AC3E}">
+        <p14:creationId xmlns:p14="http://schemas.microsoft.com/office/powerpoint/2010/main" val="3415913197"/>
+      </p:ext>
+    </p:extLst>
+  </p:cSld>
+  <p:clrMapOvr>
+    <a:masterClrMapping/>
+  </p:clrMapOvr>
+</p:sld>
+</file>
+
+<file path=ppt/slides/slide4.xml><?xml version="1.0" encoding="utf-8"?>
+<p:sld xmlns:a="http://schemas.openxmlformats.org/drawingml/2006/main" xmlns:r="http://schemas.openxmlformats.org/officeDocument/2006/relationships" xmlns:p="http://schemas.openxmlformats.org/presentationml/2006/main">
+  <p:cSld>
+    <p:spTree>
+      <p:nvGrpSpPr>
+        <p:cNvPr id="1" name=""/>
+        <p:cNvGrpSpPr/>
+        <p:nvPr/>
+      </p:nvGrpSpPr>
+      <p:grpSpPr>
+        <a:xfrm>
+          <a:off x="0" y="0"/>
+          <a:ext cx="0" cy="0"/>
+          <a:chOff x="0" y="0"/>
+          <a:chExt cx="0" cy="0"/>
+        </a:xfrm>
+      </p:grpSpPr>
+      <p:sp>
+        <p:nvSpPr>
+          <p:cNvPr id="4" name="Rectangle 3"/>
+          <p:cNvSpPr/>
+          <p:nvPr/>
+        </p:nvSpPr>
+        <p:spPr>
+          <a:xfrm>
+            <a:off x="1982214" y="1305720"/>
+            <a:ext cx="5685511" cy="3608537"/>
+          </a:xfrm>
+          <a:prstGeom prst="rect">
+            <a:avLst/>
+          </a:prstGeom>
+          <a:noFill/>
+          <a:ln>
+            <a:solidFill>
+              <a:schemeClr val="tx1"/>
+            </a:solidFill>
+          </a:ln>
+        </p:spPr>
+        <p:style>
+          <a:lnRef idx="1">
+            <a:schemeClr val="accent1"/>
+          </a:lnRef>
+          <a:fillRef idx="3">
+            <a:schemeClr val="accent1"/>
+          </a:fillRef>
+          <a:effectRef idx="2">
+            <a:schemeClr val="accent1"/>
+          </a:effectRef>
+          <a:fontRef idx="minor">
+            <a:schemeClr val="lt1"/>
+          </a:fontRef>
+        </p:style>
+        <p:txBody>
+          <a:bodyPr rtlCol="0" anchor="ctr"/>
+          <a:lstStyle/>
+          <a:p>
+            <a:pPr algn="ctr"/>
+            <a:endParaRPr lang="en-US"/>
+          </a:p>
+        </p:txBody>
+      </p:sp>
+      <p:cxnSp>
+        <p:nvCxnSpPr>
+          <p:cNvPr id="8" name="Straight Connector 7"/>
+          <p:cNvCxnSpPr/>
+          <p:nvPr/>
+        </p:nvCxnSpPr>
+        <p:spPr>
+          <a:xfrm>
+            <a:off x="3596472" y="1305720"/>
+            <a:ext cx="0" cy="3608537"/>
+          </a:xfrm>
+          <a:prstGeom prst="line">
+            <a:avLst/>
+          </a:prstGeom>
+          <a:ln>
+            <a:solidFill>
+              <a:srgbClr val="000000"/>
+            </a:solidFill>
+          </a:ln>
+        </p:spPr>
+        <p:style>
+          <a:lnRef idx="2">
+            <a:schemeClr val="accent1"/>
+          </a:lnRef>
+          <a:fillRef idx="0">
+            <a:schemeClr val="accent1"/>
+          </a:fillRef>
+          <a:effectRef idx="1">
+            <a:schemeClr val="accent1"/>
+          </a:effectRef>
+          <a:fontRef idx="minor">
+            <a:schemeClr val="tx1"/>
+          </a:fontRef>
+        </p:style>
+      </p:cxnSp>
+      <p:sp>
+        <p:nvSpPr>
+          <p:cNvPr id="9" name="Oval 8"/>
+          <p:cNvSpPr/>
+          <p:nvPr/>
+        </p:nvSpPr>
+        <p:spPr>
+          <a:xfrm>
+            <a:off x="5032687" y="2195589"/>
+            <a:ext cx="1828800" cy="1828800"/>
+          </a:xfrm>
+          <a:prstGeom prst="ellipse">
+            <a:avLst/>
+          </a:prstGeom>
+          <a:pattFill prst="wdUpDiag">
+            <a:fgClr>
+              <a:schemeClr val="tx1"/>
+            </a:fgClr>
+            <a:bgClr>
+              <a:prstClr val="white"/>
+            </a:bgClr>
+          </a:pattFill>
+          <a:ln>
+            <a:solidFill>
+              <a:srgbClr val="000000"/>
+            </a:solidFill>
+          </a:ln>
+        </p:spPr>
+        <p:style>
+          <a:lnRef idx="1">
+            <a:schemeClr val="accent1"/>
+          </a:lnRef>
+          <a:fillRef idx="3">
+            <a:schemeClr val="accent1"/>
+          </a:fillRef>
+          <a:effectRef idx="2">
+            <a:schemeClr val="accent1"/>
+          </a:effectRef>
+          <a:fontRef idx="minor">
+            <a:schemeClr val="lt1"/>
+          </a:fontRef>
+        </p:style>
+        <p:txBody>
+          <a:bodyPr rtlCol="0" anchor="ctr"/>
+          <a:lstStyle/>
+          <a:p>
+            <a:pPr algn="ctr"/>
+            <a:endParaRPr lang="en-US"/>
+          </a:p>
+        </p:txBody>
+      </p:sp>
+      <p:cxnSp>
+        <p:nvCxnSpPr>
+          <p:cNvPr id="10" name="Straight Arrow Connector 9"/>
+          <p:cNvCxnSpPr/>
+          <p:nvPr/>
+        </p:nvCxnSpPr>
+        <p:spPr>
+          <a:xfrm>
+            <a:off x="3596472" y="2279075"/>
+            <a:ext cx="941191" cy="0"/>
+          </a:xfrm>
+          <a:prstGeom prst="straightConnector1">
+            <a:avLst/>
+          </a:prstGeom>
+          <a:ln w="38100" cmpd="sng">
+            <a:solidFill>
+              <a:srgbClr val="FF0000"/>
+            </a:solidFill>
+            <a:headEnd type="none"/>
+            <a:tailEnd type="triangle"/>
+          </a:ln>
+        </p:spPr>
+        <p:style>
+          <a:lnRef idx="2">
+            <a:schemeClr val="accent1"/>
+          </a:lnRef>
+          <a:fillRef idx="0">
+            <a:schemeClr val="accent1"/>
+          </a:fillRef>
+          <a:effectRef idx="1">
+            <a:schemeClr val="accent1"/>
+          </a:effectRef>
+          <a:fontRef idx="minor">
+            <a:schemeClr val="tx1"/>
+          </a:fontRef>
+        </p:style>
+      </p:cxnSp>
+      <p:pic>
+        <p:nvPicPr>
+          <p:cNvPr id="11" name="Picture 10" descr="latex-image-1.pdf"/>
+          <p:cNvPicPr>
+            <a:picLocks noChangeAspect="1"/>
+          </p:cNvPicPr>
+          <p:nvPr/>
+        </p:nvPicPr>
+        <p:blipFill>
+          <a:blip r:embed="rId2">
+            <a:extLst>
+              <a:ext uri="{28A0092B-C50C-407E-A947-70E740481C1C}">
+                <a14:useLocalDpi xmlns:a14="http://schemas.microsoft.com/office/drawing/2010/main" val="0"/>
+              </a:ext>
+            </a:extLst>
+          </a:blip>
+          <a:stretch>
+            <a:fillRect/>
+          </a:stretch>
+        </p:blipFill>
+        <p:spPr>
+          <a:xfrm>
+            <a:off x="3766125" y="1780415"/>
+            <a:ext cx="292100" cy="355600"/>
+          </a:xfrm>
+          <a:prstGeom prst="rect">
+            <a:avLst/>
+          </a:prstGeom>
+        </p:spPr>
+      </p:pic>
+    </p:spTree>
+    <p:extLst>
+      <p:ext uri="{BB962C8B-B14F-4D97-AF65-F5344CB8AC3E}">
+        <p14:creationId xmlns:p14="http://schemas.microsoft.com/office/powerpoint/2010/main" val="3711920104"/>
+      </p:ext>
+    </p:extLst>
+  </p:cSld>
+  <p:clrMapOvr>
+    <a:masterClrMapping/>
+  </p:clrMapOvr>
+</p:sld>
+</file>
+
+<file path=ppt/slides/slide5.xml><?xml version="1.0" encoding="utf-8"?>
+<p:sld xmlns:a="http://schemas.openxmlformats.org/drawingml/2006/main" xmlns:r="http://schemas.openxmlformats.org/officeDocument/2006/relationships" xmlns:p="http://schemas.openxmlformats.org/presentationml/2006/main">
+  <p:cSld>
+    <p:spTree>
+      <p:nvGrpSpPr>
+        <p:cNvPr id="1" name=""/>
+        <p:cNvGrpSpPr/>
+        <p:nvPr/>
+      </p:nvGrpSpPr>
+      <p:grpSpPr>
+        <a:xfrm>
+          <a:off x="0" y="0"/>
+          <a:ext cx="0" cy="0"/>
+          <a:chOff x="0" y="0"/>
+          <a:chExt cx="0" cy="0"/>
+        </a:xfrm>
+      </p:grpSpPr>
+      <p:sp>
+        <p:nvSpPr>
+          <p:cNvPr id="4" name="Rectangle 3"/>
+          <p:cNvSpPr/>
+          <p:nvPr/>
+        </p:nvSpPr>
+        <p:spPr>
+          <a:xfrm>
+            <a:off x="1982214" y="1305720"/>
+            <a:ext cx="5685511" cy="3608537"/>
+          </a:xfrm>
+          <a:prstGeom prst="rect">
+            <a:avLst/>
+          </a:prstGeom>
+          <a:noFill/>
+          <a:ln>
+            <a:solidFill>
+              <a:schemeClr val="tx1"/>
+            </a:solidFill>
+          </a:ln>
+        </p:spPr>
+        <p:style>
+          <a:lnRef idx="1">
+            <a:schemeClr val="accent1"/>
+          </a:lnRef>
+          <a:fillRef idx="3">
+            <a:schemeClr val="accent1"/>
+          </a:fillRef>
+          <a:effectRef idx="2">
+            <a:schemeClr val="accent1"/>
+          </a:effectRef>
+          <a:fontRef idx="minor">
+            <a:schemeClr val="lt1"/>
+          </a:fontRef>
+        </p:style>
+        <p:txBody>
+          <a:bodyPr rtlCol="0" anchor="ctr"/>
+          <a:lstStyle/>
+          <a:p>
+            <a:pPr algn="ctr"/>
+            <a:endParaRPr lang="en-US"/>
+          </a:p>
+        </p:txBody>
+      </p:sp>
+      <p:cxnSp>
+        <p:nvCxnSpPr>
+          <p:cNvPr id="8" name="Straight Connector 7"/>
+          <p:cNvCxnSpPr/>
+          <p:nvPr/>
+        </p:nvCxnSpPr>
+        <p:spPr>
+          <a:xfrm>
+            <a:off x="3596472" y="1305720"/>
+            <a:ext cx="0" cy="3608537"/>
+          </a:xfrm>
+          <a:prstGeom prst="line">
+            <a:avLst/>
+          </a:prstGeom>
+          <a:ln>
+            <a:solidFill>
+              <a:srgbClr val="000000"/>
+            </a:solidFill>
+          </a:ln>
+        </p:spPr>
+        <p:style>
+          <a:lnRef idx="2">
+            <a:schemeClr val="accent1"/>
+          </a:lnRef>
+          <a:fillRef idx="0">
+            <a:schemeClr val="accent1"/>
+          </a:fillRef>
+          <a:effectRef idx="1">
+            <a:schemeClr val="accent1"/>
+          </a:effectRef>
+          <a:fontRef idx="minor">
+            <a:schemeClr val="tx1"/>
+          </a:fontRef>
+        </p:style>
+      </p:cxnSp>
+      <p:sp>
+        <p:nvSpPr>
+          <p:cNvPr id="9" name="Oval 8"/>
+          <p:cNvSpPr/>
+          <p:nvPr/>
+        </p:nvSpPr>
+        <p:spPr>
+          <a:xfrm>
+            <a:off x="4794855" y="1998120"/>
+            <a:ext cx="819439" cy="819439"/>
+          </a:xfrm>
+          <a:prstGeom prst="ellipse">
+            <a:avLst/>
+          </a:prstGeom>
+          <a:pattFill prst="wdUpDiag">
+            <a:fgClr>
+              <a:schemeClr val="tx1"/>
+            </a:fgClr>
+            <a:bgClr>
+              <a:prstClr val="white"/>
+            </a:bgClr>
+          </a:pattFill>
+          <a:ln>
+            <a:solidFill>
+              <a:srgbClr val="000000"/>
+            </a:solidFill>
+          </a:ln>
+        </p:spPr>
+        <p:style>
+          <a:lnRef idx="1">
+            <a:schemeClr val="accent1"/>
+          </a:lnRef>
+          <a:fillRef idx="3">
+            <a:schemeClr val="accent1"/>
+          </a:fillRef>
+          <a:effectRef idx="2">
+            <a:schemeClr val="accent1"/>
+          </a:effectRef>
+          <a:fontRef idx="minor">
+            <a:schemeClr val="lt1"/>
+          </a:fontRef>
+        </p:style>
+        <p:txBody>
+          <a:bodyPr rtlCol="0" anchor="ctr"/>
+          <a:lstStyle/>
+          <a:p>
+            <a:pPr algn="ctr"/>
+            <a:endParaRPr lang="en-US"/>
+          </a:p>
+        </p:txBody>
+      </p:sp>
+      <p:cxnSp>
+        <p:nvCxnSpPr>
+          <p:cNvPr id="10" name="Straight Arrow Connector 9"/>
+          <p:cNvCxnSpPr/>
+          <p:nvPr/>
+        </p:nvCxnSpPr>
+        <p:spPr>
+          <a:xfrm>
+            <a:off x="3596472" y="2279075"/>
+            <a:ext cx="941191" cy="0"/>
+          </a:xfrm>
+          <a:prstGeom prst="straightConnector1">
+            <a:avLst/>
+          </a:prstGeom>
+          <a:ln w="38100" cmpd="sng">
+            <a:solidFill>
+              <a:srgbClr val="FF0000"/>
+            </a:solidFill>
+            <a:headEnd type="none"/>
+            <a:tailEnd type="triangle"/>
+          </a:ln>
+        </p:spPr>
+        <p:style>
+          <a:lnRef idx="2">
+            <a:schemeClr val="accent1"/>
+          </a:lnRef>
+          <a:fillRef idx="0">
+            <a:schemeClr val="accent1"/>
+          </a:fillRef>
+          <a:effectRef idx="1">
+            <a:schemeClr val="accent1"/>
+          </a:effectRef>
+          <a:fontRef idx="minor">
+            <a:schemeClr val="tx1"/>
+          </a:fontRef>
+        </p:style>
+      </p:cxnSp>
+      <p:sp>
+        <p:nvSpPr>
+          <p:cNvPr id="7" name="Oval 6"/>
+          <p:cNvSpPr/>
+          <p:nvPr/>
+        </p:nvSpPr>
+        <p:spPr>
+          <a:xfrm>
+            <a:off x="5802304" y="2190246"/>
+            <a:ext cx="819439" cy="819439"/>
+          </a:xfrm>
+          <a:prstGeom prst="ellipse">
+            <a:avLst/>
+          </a:prstGeom>
+          <a:pattFill prst="wdUpDiag">
+            <a:fgClr>
+              <a:schemeClr val="tx1"/>
+            </a:fgClr>
+            <a:bgClr>
+              <a:prstClr val="white"/>
+            </a:bgClr>
+          </a:pattFill>
+          <a:ln>
+            <a:solidFill>
+              <a:srgbClr val="000000"/>
+            </a:solidFill>
+          </a:ln>
+        </p:spPr>
+        <p:style>
+          <a:lnRef idx="1">
+            <a:schemeClr val="accent1"/>
+          </a:lnRef>
+          <a:fillRef idx="3">
+            <a:schemeClr val="accent1"/>
+          </a:fillRef>
+          <a:effectRef idx="2">
+            <a:schemeClr val="accent1"/>
+          </a:effectRef>
+          <a:fontRef idx="minor">
+            <a:schemeClr val="lt1"/>
+          </a:fontRef>
+        </p:style>
+        <p:txBody>
+          <a:bodyPr rtlCol="0" anchor="ctr"/>
+          <a:lstStyle/>
+          <a:p>
+            <a:pPr algn="ctr"/>
+            <a:endParaRPr lang="en-US"/>
+          </a:p>
+        </p:txBody>
+      </p:sp>
+      <p:sp>
+        <p:nvSpPr>
+          <p:cNvPr id="2" name="Chord 1"/>
+          <p:cNvSpPr/>
+          <p:nvPr/>
+        </p:nvSpPr>
+        <p:spPr>
+          <a:xfrm rot="10800000">
+            <a:off x="4381615" y="1028788"/>
+            <a:ext cx="822960" cy="822960"/>
+          </a:xfrm>
+          <a:prstGeom prst="chord">
+            <a:avLst>
+              <a:gd name="adj1" fmla="val 9724343"/>
+              <a:gd name="adj2" fmla="val 1012039"/>
+            </a:avLst>
+          </a:prstGeom>
+          <a:pattFill prst="wdUpDiag">
+            <a:fgClr>
+              <a:schemeClr val="tx1"/>
+            </a:fgClr>
+            <a:bgClr>
+              <a:prstClr val="white"/>
+            </a:bgClr>
+          </a:pattFill>
+          <a:ln>
+            <a:solidFill>
+              <a:srgbClr val="000000"/>
+            </a:solidFill>
+          </a:ln>
+        </p:spPr>
+        <p:style>
+          <a:lnRef idx="1">
+            <a:schemeClr val="accent1"/>
+          </a:lnRef>
+          <a:fillRef idx="3">
+            <a:schemeClr val="accent1"/>
+          </a:fillRef>
+          <a:effectRef idx="2">
+            <a:schemeClr val="accent1"/>
+          </a:effectRef>
+          <a:fontRef idx="minor">
+            <a:schemeClr val="lt1"/>
+          </a:fontRef>
+        </p:style>
+        <p:txBody>
+          <a:bodyPr rtlCol="0" anchor="ctr"/>
+          <a:lstStyle/>
+          <a:p>
+            <a:pPr algn="ctr"/>
+            <a:endParaRPr lang="en-US"/>
+          </a:p>
+        </p:txBody>
+      </p:sp>
+      <p:sp>
+        <p:nvSpPr>
+          <p:cNvPr id="12" name="Chord 11"/>
+          <p:cNvSpPr/>
+          <p:nvPr/>
+        </p:nvSpPr>
+        <p:spPr>
+          <a:xfrm>
+            <a:off x="4381615" y="4621022"/>
+            <a:ext cx="822960" cy="822960"/>
+          </a:xfrm>
+          <a:prstGeom prst="chord">
+            <a:avLst>
+              <a:gd name="adj1" fmla="val 11837295"/>
+              <a:gd name="adj2" fmla="val 20580609"/>
+            </a:avLst>
+          </a:prstGeom>
+          <a:pattFill prst="wdUpDiag">
+            <a:fgClr>
+              <a:schemeClr val="tx1"/>
+            </a:fgClr>
+            <a:bgClr>
+              <a:prstClr val="white"/>
+            </a:bgClr>
+          </a:pattFill>
+          <a:ln>
+            <a:solidFill>
+              <a:schemeClr val="tx1"/>
+            </a:solidFill>
+          </a:ln>
+        </p:spPr>
+        <p:style>
+          <a:lnRef idx="1">
+            <a:schemeClr val="accent1"/>
+          </a:lnRef>
+          <a:fillRef idx="3">
+            <a:schemeClr val="accent1"/>
+          </a:fillRef>
+          <a:effectRef idx="2">
+            <a:schemeClr val="accent1"/>
+          </a:effectRef>
+          <a:fontRef idx="minor">
+            <a:schemeClr val="lt1"/>
+          </a:fontRef>
+        </p:style>
+        <p:txBody>
+          <a:bodyPr rtlCol="0" anchor="ctr"/>
+          <a:lstStyle/>
+          <a:p>
+            <a:pPr algn="ctr"/>
+            <a:endParaRPr lang="en-US"/>
+          </a:p>
+        </p:txBody>
+      </p:sp>
+      <p:sp>
+        <p:nvSpPr>
+          <p:cNvPr id="13" name="Oval 12"/>
+          <p:cNvSpPr/>
+          <p:nvPr/>
+        </p:nvSpPr>
+        <p:spPr>
+          <a:xfrm>
+            <a:off x="4800570" y="3135499"/>
+            <a:ext cx="819439" cy="819439"/>
+          </a:xfrm>
+          <a:prstGeom prst="ellipse">
+            <a:avLst/>
+          </a:prstGeom>
+          <a:pattFill prst="wdUpDiag">
+            <a:fgClr>
+              <a:schemeClr val="tx1"/>
+            </a:fgClr>
+            <a:bgClr>
+              <a:prstClr val="white"/>
+            </a:bgClr>
+          </a:pattFill>
+          <a:ln>
+            <a:solidFill>
+              <a:srgbClr val="000000"/>
+            </a:solidFill>
+          </a:ln>
+        </p:spPr>
+        <p:style>
+          <a:lnRef idx="1">
+            <a:schemeClr val="accent1"/>
+          </a:lnRef>
+          <a:fillRef idx="3">
+            <a:schemeClr val="accent1"/>
+          </a:fillRef>
+          <a:effectRef idx="2">
+            <a:schemeClr val="accent1"/>
+          </a:effectRef>
+          <a:fontRef idx="minor">
+            <a:schemeClr val="lt1"/>
+          </a:fontRef>
+        </p:style>
+        <p:txBody>
+          <a:bodyPr rtlCol="0" anchor="ctr"/>
+          <a:lstStyle/>
+          <a:p>
+            <a:pPr algn="ctr"/>
+            <a:endParaRPr lang="en-US"/>
+          </a:p>
+        </p:txBody>
+      </p:sp>
+      <p:sp>
+        <p:nvSpPr>
+          <p:cNvPr id="14" name="Chord 13"/>
+          <p:cNvSpPr/>
+          <p:nvPr/>
+        </p:nvSpPr>
+        <p:spPr>
+          <a:xfrm>
+            <a:off x="5614294" y="4364658"/>
+            <a:ext cx="822960" cy="822960"/>
+          </a:xfrm>
+          <a:prstGeom prst="chord">
+            <a:avLst>
+              <a:gd name="adj1" fmla="val 9724343"/>
+              <a:gd name="adj2" fmla="val 1012039"/>
+            </a:avLst>
+          </a:prstGeom>
+          <a:pattFill prst="wdUpDiag">
+            <a:fgClr>
+              <a:schemeClr val="tx1"/>
+            </a:fgClr>
+            <a:bgClr>
+              <a:prstClr val="white"/>
+            </a:bgClr>
+          </a:pattFill>
+          <a:ln>
+            <a:solidFill>
+              <a:srgbClr val="000000"/>
+            </a:solidFill>
+          </a:ln>
+        </p:spPr>
+        <p:style>
+          <a:lnRef idx="1">
+            <a:schemeClr val="accent1"/>
+          </a:lnRef>
+          <a:fillRef idx="3">
+            <a:schemeClr val="accent1"/>
+          </a:fillRef>
+          <a:effectRef idx="2">
+            <a:schemeClr val="accent1"/>
+          </a:effectRef>
+          <a:fontRef idx="minor">
+            <a:schemeClr val="lt1"/>
+          </a:fontRef>
+        </p:style>
+        <p:txBody>
+          <a:bodyPr rtlCol="0" anchor="ctr"/>
+          <a:lstStyle/>
+          <a:p>
+            <a:pPr algn="ctr"/>
+            <a:endParaRPr lang="en-US"/>
+          </a:p>
+        </p:txBody>
+      </p:sp>
+      <p:sp>
+        <p:nvSpPr>
+          <p:cNvPr id="15" name="Chord 14"/>
+          <p:cNvSpPr/>
+          <p:nvPr/>
+        </p:nvSpPr>
+        <p:spPr>
+          <a:xfrm rot="10800000">
+            <a:off x="5766694" y="779863"/>
+            <a:ext cx="822960" cy="822960"/>
+          </a:xfrm>
+          <a:prstGeom prst="chord">
+            <a:avLst>
+              <a:gd name="adj1" fmla="val 11837295"/>
+              <a:gd name="adj2" fmla="val 20580609"/>
+            </a:avLst>
+          </a:prstGeom>
+          <a:pattFill prst="wdUpDiag">
+            <a:fgClr>
+              <a:schemeClr val="tx1"/>
+            </a:fgClr>
+            <a:bgClr>
+              <a:prstClr val="white"/>
+            </a:bgClr>
+          </a:pattFill>
+          <a:ln>
+            <a:solidFill>
+              <a:schemeClr val="tx1"/>
+            </a:solidFill>
+          </a:ln>
+        </p:spPr>
+        <p:style>
+          <a:lnRef idx="1">
+            <a:schemeClr val="accent1"/>
+          </a:lnRef>
+          <a:fillRef idx="3">
+            <a:schemeClr val="accent1"/>
+          </a:fillRef>
+          <a:effectRef idx="2">
+            <a:schemeClr val="accent1"/>
+          </a:effectRef>
+          <a:fontRef idx="minor">
+            <a:schemeClr val="lt1"/>
+          </a:fontRef>
+        </p:style>
+        <p:txBody>
+          <a:bodyPr rtlCol="0" anchor="ctr"/>
+          <a:lstStyle/>
+          <a:p>
+            <a:pPr algn="ctr"/>
+            <a:endParaRPr lang="en-US"/>
+          </a:p>
+        </p:txBody>
+      </p:sp>
+      <p:sp>
+        <p:nvSpPr>
+          <p:cNvPr id="16" name="Oval 15"/>
+          <p:cNvSpPr/>
+          <p:nvPr/>
+        </p:nvSpPr>
+        <p:spPr>
+          <a:xfrm>
+            <a:off x="5802304" y="3438387"/>
+            <a:ext cx="819439" cy="819439"/>
+          </a:xfrm>
+          <a:prstGeom prst="ellipse">
+            <a:avLst/>
+          </a:prstGeom>
+          <a:pattFill prst="wdUpDiag">
+            <a:fgClr>
+              <a:schemeClr val="tx1"/>
+            </a:fgClr>
+            <a:bgClr>
+              <a:prstClr val="white"/>
+            </a:bgClr>
+          </a:pattFill>
+          <a:ln>
+            <a:solidFill>
+              <a:srgbClr val="000000"/>
+            </a:solidFill>
+          </a:ln>
+        </p:spPr>
+        <p:style>
+          <a:lnRef idx="1">
+            <a:schemeClr val="accent1"/>
+          </a:lnRef>
+          <a:fillRef idx="3">
+            <a:schemeClr val="accent1"/>
+          </a:fillRef>
+          <a:effectRef idx="2">
+            <a:schemeClr val="accent1"/>
+          </a:effectRef>
+          <a:fontRef idx="minor">
+            <a:schemeClr val="lt1"/>
+          </a:fontRef>
+        </p:style>
+        <p:txBody>
+          <a:bodyPr rtlCol="0" anchor="ctr"/>
+          <a:lstStyle/>
+          <a:p>
+            <a:pPr algn="ctr"/>
+            <a:endParaRPr lang="en-US"/>
+          </a:p>
+        </p:txBody>
+      </p:sp>
+      <p:pic>
+        <p:nvPicPr>
+          <p:cNvPr id="17" name="Picture 16" descr="latex-image-1.pdf"/>
+          <p:cNvPicPr>
+            <a:picLocks noChangeAspect="1"/>
+          </p:cNvPicPr>
+          <p:nvPr/>
+        </p:nvPicPr>
+        <p:blipFill>
+          <a:blip r:embed="rId2">
+            <a:extLst>
+              <a:ext uri="{28A0092B-C50C-407E-A947-70E740481C1C}">
+                <a14:useLocalDpi xmlns:a14="http://schemas.microsoft.com/office/drawing/2010/main" val="0"/>
+              </a:ext>
+            </a:extLst>
+          </a:blip>
+          <a:stretch>
+            <a:fillRect/>
+          </a:stretch>
+        </p:blipFill>
+        <p:spPr>
+          <a:xfrm>
+            <a:off x="3766125" y="1780415"/>
+            <a:ext cx="292100" cy="355600"/>
+          </a:xfrm>
+          <a:prstGeom prst="rect">
+            <a:avLst/>
+          </a:prstGeom>
+        </p:spPr>
+      </p:pic>
+    </p:spTree>
+    <p:extLst>
+      <p:ext uri="{BB962C8B-B14F-4D97-AF65-F5344CB8AC3E}">
+        <p14:creationId xmlns:p14="http://schemas.microsoft.com/office/powerpoint/2010/main" val="3572719497"/>
+      </p:ext>
+    </p:extLst>
+  </p:cSld>
+  <p:clrMapOvr>
+    <a:masterClrMapping/>
+  </p:clrMapOvr>
+</p:sld>
+</file>
+
+<file path=ppt/slides/slide6.xml><?xml version="1.0" encoding="utf-8"?>
+<p:sld xmlns:a="http://schemas.openxmlformats.org/drawingml/2006/main" xmlns:r="http://schemas.openxmlformats.org/officeDocument/2006/relationships" xmlns:p="http://schemas.openxmlformats.org/presentationml/2006/main">
+  <p:cSld>
+    <p:spTree>
+      <p:nvGrpSpPr>
+        <p:cNvPr id="1" name=""/>
+        <p:cNvGrpSpPr/>
+        <p:nvPr/>
+      </p:nvGrpSpPr>
+      <p:grpSpPr>
+        <a:xfrm>
+          <a:off x="0" y="0"/>
+          <a:ext cx="0" cy="0"/>
+          <a:chOff x="0" y="0"/>
+          <a:chExt cx="0" cy="0"/>
+        </a:xfrm>
+      </p:grpSpPr>
+      <p:sp>
+        <p:nvSpPr>
+          <p:cNvPr id="4" name="Rectangle 3"/>
+          <p:cNvSpPr/>
+          <p:nvPr/>
+        </p:nvSpPr>
+        <p:spPr>
+          <a:xfrm>
+            <a:off x="371985" y="1295974"/>
+            <a:ext cx="3804617" cy="3608537"/>
+          </a:xfrm>
+          <a:prstGeom prst="rect">
+            <a:avLst/>
+          </a:prstGeom>
+          <a:noFill/>
+          <a:ln>
+            <a:solidFill>
+              <a:schemeClr val="tx1"/>
+            </a:solidFill>
+          </a:ln>
+        </p:spPr>
+        <p:style>
+          <a:lnRef idx="1">
+            <a:schemeClr val="accent1"/>
+          </a:lnRef>
+          <a:fillRef idx="3">
+            <a:schemeClr val="accent1"/>
+          </a:fillRef>
+          <a:effectRef idx="2">
+            <a:schemeClr val="accent1"/>
+          </a:effectRef>
+          <a:fontRef idx="minor">
+            <a:schemeClr val="lt1"/>
+          </a:fontRef>
+        </p:style>
+        <p:txBody>
+          <a:bodyPr rtlCol="0" anchor="ctr"/>
+          <a:lstStyle/>
+          <a:p>
+            <a:pPr algn="ctr"/>
+            <a:endParaRPr lang="en-US"/>
+          </a:p>
+        </p:txBody>
+      </p:sp>
+      <p:cxnSp>
+        <p:nvCxnSpPr>
+          <p:cNvPr id="10" name="Straight Arrow Connector 9"/>
+          <p:cNvCxnSpPr/>
+          <p:nvPr/>
+        </p:nvCxnSpPr>
+        <p:spPr>
+          <a:xfrm>
+            <a:off x="1126239" y="1610002"/>
+            <a:ext cx="2026180" cy="0"/>
+          </a:xfrm>
+          <a:prstGeom prst="straightConnector1">
+            <a:avLst/>
+          </a:prstGeom>
+          <a:ln w="38100" cmpd="sng">
+            <a:solidFill>
+              <a:srgbClr val="FF0000"/>
+            </a:solidFill>
+            <a:headEnd type="none"/>
+            <a:tailEnd type="triangle"/>
+          </a:ln>
+        </p:spPr>
+        <p:style>
+          <a:lnRef idx="2">
+            <a:schemeClr val="accent1"/>
+          </a:lnRef>
+          <a:fillRef idx="0">
+            <a:schemeClr val="accent1"/>
+          </a:fillRef>
+          <a:effectRef idx="1">
+            <a:schemeClr val="accent1"/>
+          </a:effectRef>
+          <a:fontRef idx="minor">
+            <a:schemeClr val="tx1"/>
+          </a:fontRef>
+        </p:style>
+      </p:cxnSp>
+      <p:pic>
+        <p:nvPicPr>
+          <p:cNvPr id="17" name="Picture 16" descr="latex-image-1.pdf"/>
+          <p:cNvPicPr>
+            <a:picLocks noChangeAspect="1"/>
+          </p:cNvPicPr>
+          <p:nvPr/>
+        </p:nvPicPr>
+        <p:blipFill>
+          <a:blip r:embed="rId2">
+            <a:extLst>
+              <a:ext uri="{28A0092B-C50C-407E-A947-70E740481C1C}">
+                <a14:useLocalDpi xmlns:a14="http://schemas.microsoft.com/office/drawing/2010/main" val="0"/>
+              </a:ext>
+            </a:extLst>
+          </a:blip>
+          <a:stretch>
+            <a:fillRect/>
+          </a:stretch>
+        </p:blipFill>
+        <p:spPr>
+          <a:xfrm>
+            <a:off x="3244502" y="1432202"/>
+            <a:ext cx="292100" cy="355600"/>
+          </a:xfrm>
+          <a:prstGeom prst="rect">
+            <a:avLst/>
+          </a:prstGeom>
+        </p:spPr>
+      </p:pic>
+      <p:sp>
+        <p:nvSpPr>
+          <p:cNvPr id="18" name="Oval 17"/>
+          <p:cNvSpPr/>
+          <p:nvPr/>
+        </p:nvSpPr>
+        <p:spPr>
+          <a:xfrm>
+            <a:off x="3180080" y="2744334"/>
+            <a:ext cx="713044" cy="713044"/>
+          </a:xfrm>
+          <a:prstGeom prst="ellipse">
+            <a:avLst/>
+          </a:prstGeom>
+          <a:pattFill prst="wdUpDiag">
+            <a:fgClr>
+              <a:schemeClr val="tx1"/>
+            </a:fgClr>
+            <a:bgClr>
+              <a:prstClr val="white"/>
+            </a:bgClr>
+          </a:pattFill>
+          <a:ln>
+            <a:solidFill>
+              <a:srgbClr val="000000"/>
+            </a:solidFill>
+          </a:ln>
+        </p:spPr>
+        <p:style>
+          <a:lnRef idx="1">
+            <a:schemeClr val="accent1"/>
+          </a:lnRef>
+          <a:fillRef idx="3">
+            <a:schemeClr val="accent1"/>
+          </a:fillRef>
+          <a:effectRef idx="2">
+            <a:schemeClr val="accent1"/>
+          </a:effectRef>
+          <a:fontRef idx="minor">
+            <a:schemeClr val="lt1"/>
+          </a:fontRef>
+        </p:style>
+        <p:txBody>
+          <a:bodyPr rtlCol="0" anchor="ctr"/>
+          <a:lstStyle/>
+          <a:p>
+            <a:pPr algn="ctr"/>
+            <a:endParaRPr lang="en-US"/>
+          </a:p>
+        </p:txBody>
+      </p:sp>
+      <p:sp>
+        <p:nvSpPr>
+          <p:cNvPr id="19" name="Rectangle 18"/>
+          <p:cNvSpPr/>
+          <p:nvPr/>
+        </p:nvSpPr>
+        <p:spPr>
+          <a:xfrm>
+            <a:off x="4493258" y="1295974"/>
+            <a:ext cx="3804617" cy="3608537"/>
+          </a:xfrm>
+          <a:prstGeom prst="rect">
+            <a:avLst/>
+          </a:prstGeom>
+          <a:noFill/>
+          <a:ln>
+            <a:solidFill>
+              <a:schemeClr val="tx1"/>
+            </a:solidFill>
+          </a:ln>
+        </p:spPr>
+        <p:style>
+          <a:lnRef idx="1">
+            <a:schemeClr val="accent1"/>
+          </a:lnRef>
+          <a:fillRef idx="3">
+            <a:schemeClr val="accent1"/>
+          </a:fillRef>
+          <a:effectRef idx="2">
+            <a:schemeClr val="accent1"/>
+          </a:effectRef>
+          <a:fontRef idx="minor">
+            <a:schemeClr val="lt1"/>
+          </a:fontRef>
+        </p:style>
+        <p:txBody>
+          <a:bodyPr rtlCol="0" anchor="ctr"/>
+          <a:lstStyle/>
+          <a:p>
+            <a:pPr algn="ctr"/>
+            <a:endParaRPr lang="en-US"/>
+          </a:p>
+        </p:txBody>
+      </p:sp>
+      <p:cxnSp>
+        <p:nvCxnSpPr>
+          <p:cNvPr id="20" name="Straight Arrow Connector 19"/>
+          <p:cNvCxnSpPr/>
+          <p:nvPr/>
+        </p:nvCxnSpPr>
+        <p:spPr>
+          <a:xfrm>
+            <a:off x="5275173" y="3095571"/>
+            <a:ext cx="2026180" cy="0"/>
+          </a:xfrm>
+          <a:prstGeom prst="straightConnector1">
+            <a:avLst/>
+          </a:prstGeom>
+          <a:ln w="38100" cmpd="sng">
+            <a:solidFill>
+              <a:srgbClr val="FF0000"/>
+            </a:solidFill>
+            <a:headEnd type="triangle"/>
+            <a:tailEnd type="none"/>
+          </a:ln>
+        </p:spPr>
+        <p:style>
+          <a:lnRef idx="2">
+            <a:schemeClr val="accent1"/>
+          </a:lnRef>
+          <a:fillRef idx="0">
+            <a:schemeClr val="accent1"/>
+          </a:fillRef>
+          <a:effectRef idx="1">
+            <a:schemeClr val="accent1"/>
+          </a:effectRef>
+          <a:fontRef idx="minor">
+            <a:schemeClr val="tx1"/>
+          </a:fontRef>
+        </p:style>
+      </p:cxnSp>
+      <p:pic>
+        <p:nvPicPr>
+          <p:cNvPr id="21" name="Picture 20" descr="latex-image-1.pdf"/>
+          <p:cNvPicPr>
+            <a:picLocks noChangeAspect="1"/>
+          </p:cNvPicPr>
+          <p:nvPr/>
+        </p:nvPicPr>
+        <p:blipFill>
+          <a:blip r:embed="rId2">
+            <a:extLst>
+              <a:ext uri="{28A0092B-C50C-407E-A947-70E740481C1C}">
+                <a14:useLocalDpi xmlns:a14="http://schemas.microsoft.com/office/drawing/2010/main" val="0"/>
+              </a:ext>
+            </a:extLst>
+          </a:blip>
+          <a:stretch>
+            <a:fillRect/>
+          </a:stretch>
+        </p:blipFill>
+        <p:spPr>
+          <a:xfrm>
+            <a:off x="4983073" y="2917771"/>
+            <a:ext cx="292100" cy="355600"/>
+          </a:xfrm>
+          <a:prstGeom prst="rect">
+            <a:avLst/>
+          </a:prstGeom>
+        </p:spPr>
+      </p:pic>
+      <p:sp>
+        <p:nvSpPr>
+          <p:cNvPr id="22" name="Oval 21"/>
+          <p:cNvSpPr/>
+          <p:nvPr/>
+        </p:nvSpPr>
+        <p:spPr>
+          <a:xfrm>
+            <a:off x="7301353" y="2744334"/>
+            <a:ext cx="713044" cy="713044"/>
+          </a:xfrm>
+          <a:prstGeom prst="ellipse">
+            <a:avLst/>
+          </a:prstGeom>
+          <a:pattFill prst="wdUpDiag">
+            <a:fgClr>
+              <a:schemeClr val="tx1"/>
+            </a:fgClr>
+            <a:bgClr>
+              <a:prstClr val="white"/>
+            </a:bgClr>
+          </a:pattFill>
+          <a:ln>
+            <a:solidFill>
+              <a:srgbClr val="000000"/>
+            </a:solidFill>
+          </a:ln>
+        </p:spPr>
+        <p:style>
+          <a:lnRef idx="1">
+            <a:schemeClr val="accent1"/>
+          </a:lnRef>
+          <a:fillRef idx="3">
+            <a:schemeClr val="accent1"/>
+          </a:fillRef>
+          <a:effectRef idx="2">
+            <a:schemeClr val="accent1"/>
+          </a:effectRef>
+          <a:fontRef idx="minor">
+            <a:schemeClr val="lt1"/>
+          </a:fontRef>
+        </p:style>
+        <p:txBody>
+          <a:bodyPr rtlCol="0" anchor="ctr"/>
+          <a:lstStyle/>
+          <a:p>
+            <a:pPr algn="ctr"/>
+            <a:endParaRPr lang="en-US"/>
+          </a:p>
+        </p:txBody>
+      </p:sp>
+    </p:spTree>
+    <p:extLst>
+      <p:ext uri="{BB962C8B-B14F-4D97-AF65-F5344CB8AC3E}">
+        <p14:creationId xmlns:p14="http://schemas.microsoft.com/office/powerpoint/2010/main" val="1037386104"/>
       </p:ext>
     </p:extLst>
   </p:cSld>
